--- a/2020/8月/13-8-20.pptx
+++ b/2020/8月/13-8-20.pptx
@@ -309,7 +309,7 @@
             <a:fld id="{4FF3AE62-F810-43A7-A0C3-BE00E20AE505}" type="datetimeFigureOut">
               <a:rPr lang="zh-TW" altLang="en-US" smtClean="0"/>
               <a:pPr/>
-              <a:t>2020/8/4</a:t>
+              <a:t>2020/8/11</a:t>
             </a:fld>
             <a:endParaRPr lang="zh-TW" altLang="en-US"/>
           </a:p>
@@ -476,7 +476,7 @@
             <a:fld id="{4FF3AE62-F810-43A7-A0C3-BE00E20AE505}" type="datetimeFigureOut">
               <a:rPr lang="zh-TW" altLang="en-US" smtClean="0"/>
               <a:pPr/>
-              <a:t>2020/8/4</a:t>
+              <a:t>2020/8/11</a:t>
             </a:fld>
             <a:endParaRPr lang="zh-TW" altLang="en-US"/>
           </a:p>
@@ -653,7 +653,7 @@
             <a:fld id="{4FF3AE62-F810-43A7-A0C3-BE00E20AE505}" type="datetimeFigureOut">
               <a:rPr lang="zh-TW" altLang="en-US" smtClean="0"/>
               <a:pPr/>
-              <a:t>2020/8/4</a:t>
+              <a:t>2020/8/11</a:t>
             </a:fld>
             <a:endParaRPr lang="zh-TW" altLang="en-US"/>
           </a:p>
@@ -820,7 +820,7 @@
             <a:fld id="{4FF3AE62-F810-43A7-A0C3-BE00E20AE505}" type="datetimeFigureOut">
               <a:rPr lang="zh-TW" altLang="en-US" smtClean="0"/>
               <a:pPr/>
-              <a:t>2020/8/4</a:t>
+              <a:t>2020/8/11</a:t>
             </a:fld>
             <a:endParaRPr lang="zh-TW" altLang="en-US"/>
           </a:p>
@@ -1063,7 +1063,7 @@
             <a:fld id="{4FF3AE62-F810-43A7-A0C3-BE00E20AE505}" type="datetimeFigureOut">
               <a:rPr lang="zh-TW" altLang="en-US" smtClean="0"/>
               <a:pPr/>
-              <a:t>2020/8/4</a:t>
+              <a:t>2020/8/11</a:t>
             </a:fld>
             <a:endParaRPr lang="zh-TW" altLang="en-US"/>
           </a:p>
@@ -1348,7 +1348,7 @@
             <a:fld id="{4FF3AE62-F810-43A7-A0C3-BE00E20AE505}" type="datetimeFigureOut">
               <a:rPr lang="zh-TW" altLang="en-US" smtClean="0"/>
               <a:pPr/>
-              <a:t>2020/8/4</a:t>
+              <a:t>2020/8/11</a:t>
             </a:fld>
             <a:endParaRPr lang="zh-TW" altLang="en-US"/>
           </a:p>
@@ -1767,7 +1767,7 @@
             <a:fld id="{4FF3AE62-F810-43A7-A0C3-BE00E20AE505}" type="datetimeFigureOut">
               <a:rPr lang="zh-TW" altLang="en-US" smtClean="0"/>
               <a:pPr/>
-              <a:t>2020/8/4</a:t>
+              <a:t>2020/8/11</a:t>
             </a:fld>
             <a:endParaRPr lang="zh-TW" altLang="en-US"/>
           </a:p>
@@ -1882,7 +1882,7 @@
             <a:fld id="{4FF3AE62-F810-43A7-A0C3-BE00E20AE505}" type="datetimeFigureOut">
               <a:rPr lang="zh-TW" altLang="en-US" smtClean="0"/>
               <a:pPr/>
-              <a:t>2020/8/4</a:t>
+              <a:t>2020/8/11</a:t>
             </a:fld>
             <a:endParaRPr lang="zh-TW" altLang="en-US"/>
           </a:p>
@@ -1974,7 +1974,7 @@
             <a:fld id="{4FF3AE62-F810-43A7-A0C3-BE00E20AE505}" type="datetimeFigureOut">
               <a:rPr lang="zh-TW" altLang="en-US" smtClean="0"/>
               <a:pPr/>
-              <a:t>2020/8/4</a:t>
+              <a:t>2020/8/11</a:t>
             </a:fld>
             <a:endParaRPr lang="zh-TW" altLang="en-US"/>
           </a:p>
@@ -2248,7 +2248,7 @@
             <a:fld id="{4FF3AE62-F810-43A7-A0C3-BE00E20AE505}" type="datetimeFigureOut">
               <a:rPr lang="zh-TW" altLang="en-US" smtClean="0"/>
               <a:pPr/>
-              <a:t>2020/8/4</a:t>
+              <a:t>2020/8/11</a:t>
             </a:fld>
             <a:endParaRPr lang="zh-TW" altLang="en-US"/>
           </a:p>
@@ -2502,7 +2502,7 @@
             <a:fld id="{4FF3AE62-F810-43A7-A0C3-BE00E20AE505}" type="datetimeFigureOut">
               <a:rPr lang="zh-TW" altLang="en-US" smtClean="0"/>
               <a:pPr/>
-              <a:t>2020/8/4</a:t>
+              <a:t>2020/8/11</a:t>
             </a:fld>
             <a:endParaRPr lang="zh-TW" altLang="en-US"/>
           </a:p>
@@ -2717,7 +2717,7 @@
             <a:fld id="{4FF3AE62-F810-43A7-A0C3-BE00E20AE505}" type="datetimeFigureOut">
               <a:rPr lang="zh-TW" altLang="en-US" smtClean="0"/>
               <a:pPr/>
-              <a:t>2020/8/4</a:t>
+              <a:t>2020/8/11</a:t>
             </a:fld>
             <a:endParaRPr lang="zh-TW" altLang="en-US"/>
           </a:p>
@@ -3486,49 +3486,51 @@
         </p:nvSpPr>
         <p:spPr/>
         <p:txBody>
-          <a:bodyPr/>
-          <a:lstStyle/>
-          <a:p>
-            <a:pPr algn="ctr">
-              <a:buNone/>
-            </a:pPr>
-            <a:r>
-              <a:rPr lang="zh-TW" altLang="en-US" b="1" cap="all" dirty="0" smtClean="0">
+          <a:bodyPr>
+            <a:normAutofit/>
+          </a:bodyPr>
+          <a:lstStyle/>
+          <a:p>
+            <a:pPr algn="ctr">
+              <a:buNone/>
+            </a:pPr>
+            <a:r>
+              <a:rPr lang="zh-TW" altLang="en-US" sz="6000" b="1" cap="all" dirty="0" smtClean="0">
                 <a:latin typeface="微軟正黑體" pitchFamily="34" charset="-120"/>
                 <a:ea typeface="微軟正黑體" pitchFamily="34" charset="-120"/>
               </a:rPr>
               <a:t>祈禱的必得勝</a:t>
             </a:r>
-            <a:endParaRPr lang="en-US" altLang="zh-TW" b="1" cap="all" dirty="0" smtClean="0">
-              <a:latin typeface="微軟正黑體" pitchFamily="34" charset="-120"/>
-              <a:ea typeface="微軟正黑體" pitchFamily="34" charset="-120"/>
-            </a:endParaRPr>
-          </a:p>
-          <a:p>
-            <a:pPr algn="ctr">
-              <a:buNone/>
-            </a:pPr>
-            <a:r>
-              <a:rPr lang="zh-TW" altLang="en-US" b="1" cap="all" dirty="0" smtClean="0">
+            <a:endParaRPr lang="en-US" altLang="zh-TW" sz="6000" b="1" cap="all" dirty="0" smtClean="0">
+              <a:latin typeface="微軟正黑體" pitchFamily="34" charset="-120"/>
+              <a:ea typeface="微軟正黑體" pitchFamily="34" charset="-120"/>
+            </a:endParaRPr>
+          </a:p>
+          <a:p>
+            <a:pPr algn="ctr">
+              <a:buNone/>
+            </a:pPr>
+            <a:r>
+              <a:rPr lang="zh-TW" altLang="en-US" sz="6000" b="1" cap="all" dirty="0" smtClean="0">
                 <a:latin typeface="微軟正黑體" pitchFamily="34" charset="-120"/>
                 <a:ea typeface="微軟正黑體" pitchFamily="34" charset="-120"/>
               </a:rPr>
               <a:t>我以性命來做</a:t>
             </a:r>
             <a:r>
-              <a:rPr lang="zh-CN" altLang="en-US" b="1" cap="all" dirty="0" smtClean="0">
+              <a:rPr lang="zh-CN" altLang="en-US" sz="6000" b="1" cap="all" dirty="0" smtClean="0">
                 <a:latin typeface="微軟正黑體" pitchFamily="34" charset="-120"/>
                 <a:ea typeface="微軟正黑體" pitchFamily="34" charset="-120"/>
               </a:rPr>
               <a:t>証</a:t>
             </a:r>
-            <a:endParaRPr lang="zh-TW" altLang="en-US" b="1" cap="all" dirty="0" smtClean="0">
-              <a:latin typeface="微軟正黑體" pitchFamily="34" charset="-120"/>
-              <a:ea typeface="微軟正黑體" pitchFamily="34" charset="-120"/>
-            </a:endParaRPr>
-          </a:p>
-          <a:p>
-            <a:endParaRPr lang="zh-TW" altLang="en-US" dirty="0"/>
+            <a:endParaRPr lang="zh-TW" altLang="en-US" sz="6000" b="1" cap="all" dirty="0" smtClean="0">
+              <a:latin typeface="微軟正黑體" pitchFamily="34" charset="-120"/>
+              <a:ea typeface="微軟正黑體" pitchFamily="34" charset="-120"/>
+            </a:endParaRPr>
+          </a:p>
+          <a:p>
+            <a:endParaRPr lang="zh-TW" altLang="en-US" sz="6000" dirty="0"/>
           </a:p>
         </p:txBody>
       </p:sp>
